--- a/Pitches/AnnoTreePresentation_External.pptx
+++ b/Pitches/AnnoTreePresentation_External.pptx
@@ -5,7 +5,7 @@
     <p:sldMasterId id="2147483859" r:id="rId1"/>
   </p:sldMasterIdLst>
   <p:notesMasterIdLst>
-    <p:notesMasterId r:id="rId12"/>
+    <p:notesMasterId r:id="rId11"/>
   </p:notesMasterIdLst>
   <p:sldIdLst>
     <p:sldId id="293" r:id="rId2"/>
@@ -17,7 +17,6 @@
     <p:sldId id="308" r:id="rId8"/>
     <p:sldId id="309" r:id="rId9"/>
     <p:sldId id="310" r:id="rId10"/>
-    <p:sldId id="294" r:id="rId11"/>
   </p:sldIdLst>
   <p:sldSz cx="9144000" cy="6858000" type="screen4x3"/>
   <p:notesSz cx="6858000" cy="9144000"/>
@@ -4165,322 +4164,6 @@
           </a:prstGeom>
         </p:spPr>
       </p:pic>
-    </p:spTree>
-  </p:cSld>
-  <p:clrMapOvr>
-    <a:masterClrMapping/>
-  </p:clrMapOvr>
-  <p:timing>
-    <p:tnLst>
-      <p:par>
-        <p:cTn id="1" dur="indefinite" restart="never" nodeType="tmRoot"/>
-      </p:par>
-    </p:tnLst>
-  </p:timing>
-</p:sld>
-</file>
-
-<file path=ppt/slides/slide10.xml><?xml version="1.0" encoding="utf-8"?>
-<p:sld xmlns:a="http://schemas.openxmlformats.org/drawingml/2006/main" xmlns:r="http://schemas.openxmlformats.org/officeDocument/2006/relationships" xmlns:mc="http://schemas.openxmlformats.org/markup-compatibility/2006" xmlns:mv="urn:schemas-microsoft-com:mac:vml" xmlns:p="http://schemas.openxmlformats.org/presentationml/2006/main" mc:Ignorable="mv" mc:PreserveAttributes="mv:*">
-  <p:cSld>
-    <p:spTree>
-      <p:nvGrpSpPr>
-        <p:cNvPr id="1" name=""/>
-        <p:cNvGrpSpPr/>
-        <p:nvPr/>
-      </p:nvGrpSpPr>
-      <p:grpSpPr>
-        <a:xfrm>
-          <a:off x="0" y="0"/>
-          <a:ext cx="0" cy="0"/>
-          <a:chOff x="0" y="0"/>
-          <a:chExt cx="0" cy="0"/>
-        </a:xfrm>
-      </p:grpSpPr>
-      <p:sp>
-        <p:nvSpPr>
-          <p:cNvPr id="3" name="Content Placeholder 2"/>
-          <p:cNvSpPr>
-            <a:spLocks noGrp="1"/>
-          </p:cNvSpPr>
-          <p:nvPr>
-            <p:ph idx="1"/>
-          </p:nvPr>
-        </p:nvSpPr>
-        <p:spPr>
-          <a:xfrm>
-            <a:off x="628650" y="2488205"/>
-            <a:ext cx="5620792" cy="2168165"/>
-          </a:xfrm>
-        </p:spPr>
-        <p:txBody>
-          <a:bodyPr>
-            <a:normAutofit/>
-          </a:bodyPr>
-          <a:lstStyle/>
-          <a:p>
-            <a:pPr>
-              <a:buNone/>
-            </a:pPr>
-            <a:r>
-              <a:rPr lang="en-US" sz="3600" b="1" dirty="0" smtClean="0">
-                <a:solidFill>
-                  <a:schemeClr val="bg1">
-                    <a:lumMod val="65000"/>
-                  </a:schemeClr>
-                </a:solidFill>
-              </a:rPr>
-              <a:t>Milestones</a:t>
-            </a:r>
-            <a:endParaRPr lang="en-US" sz="2800" b="1" dirty="0" smtClean="0">
-              <a:solidFill>
-                <a:schemeClr val="bg1">
-                  <a:lumMod val="65000"/>
-                </a:schemeClr>
-              </a:solidFill>
-            </a:endParaRPr>
-          </a:p>
-          <a:p>
-            <a:r>
-              <a:rPr lang="en-US" sz="2800" dirty="0" smtClean="0">
-                <a:solidFill>
-                  <a:schemeClr val="bg1">
-                    <a:lumMod val="65000"/>
-                  </a:schemeClr>
-                </a:solidFill>
-              </a:rPr>
-              <a:t>MVP Key Customers </a:t>
-            </a:r>
-            <a:r>
-              <a:rPr lang="en-US" sz="2800" dirty="0" smtClean="0">
-                <a:solidFill>
-                  <a:schemeClr val="bg1">
-                    <a:lumMod val="65000"/>
-                  </a:schemeClr>
-                </a:solidFill>
-              </a:rPr>
-              <a:t>–</a:t>
-            </a:r>
-            <a:r>
-              <a:rPr lang="en-US" sz="2800" dirty="0" smtClean="0">
-                <a:solidFill>
-                  <a:schemeClr val="bg1">
-                    <a:lumMod val="65000"/>
-                  </a:schemeClr>
-                </a:solidFill>
-              </a:rPr>
-              <a:t> July 2013</a:t>
-            </a:r>
-          </a:p>
-          <a:p>
-            <a:r>
-              <a:rPr lang="en-US" sz="2800" dirty="0" smtClean="0">
-                <a:solidFill>
-                  <a:schemeClr val="bg1">
-                    <a:lumMod val="65000"/>
-                  </a:schemeClr>
-                </a:solidFill>
-              </a:rPr>
-              <a:t>Public Alpha </a:t>
-            </a:r>
-            <a:r>
-              <a:rPr lang="en-US" sz="2800" dirty="0" smtClean="0">
-                <a:solidFill>
-                  <a:schemeClr val="bg1">
-                    <a:lumMod val="65000"/>
-                  </a:schemeClr>
-                </a:solidFill>
-              </a:rPr>
-              <a:t>– Sep 2013</a:t>
-            </a:r>
-            <a:endParaRPr lang="en-US" sz="2800" dirty="0" smtClean="0">
-              <a:solidFill>
-                <a:schemeClr val="bg1">
-                  <a:lumMod val="65000"/>
-                </a:schemeClr>
-              </a:solidFill>
-            </a:endParaRPr>
-          </a:p>
-          <a:p>
-            <a:r>
-              <a:rPr lang="en-US" sz="2800" dirty="0" smtClean="0">
-                <a:solidFill>
-                  <a:schemeClr val="bg1">
-                    <a:lumMod val="65000"/>
-                  </a:schemeClr>
-                </a:solidFill>
-              </a:rPr>
-              <a:t>Public Beta </a:t>
-            </a:r>
-            <a:r>
-              <a:rPr lang="en-US" sz="2800" dirty="0" smtClean="0">
-                <a:solidFill>
-                  <a:schemeClr val="bg1">
-                    <a:lumMod val="65000"/>
-                  </a:schemeClr>
-                </a:solidFill>
-              </a:rPr>
-              <a:t>– Jan 2014</a:t>
-            </a:r>
-            <a:endParaRPr lang="en-US" sz="3600" dirty="0" smtClean="0">
-              <a:solidFill>
-                <a:schemeClr val="bg1">
-                  <a:lumMod val="65000"/>
-                </a:schemeClr>
-              </a:solidFill>
-            </a:endParaRPr>
-          </a:p>
-        </p:txBody>
-      </p:sp>
-      <p:sp>
-        <p:nvSpPr>
-          <p:cNvPr id="7" name="Rectangle 6"/>
-          <p:cNvSpPr/>
-          <p:nvPr/>
-        </p:nvSpPr>
-        <p:spPr>
-          <a:xfrm>
-            <a:off x="2894563" y="423299"/>
-            <a:ext cx="3354879" cy="923330"/>
-          </a:xfrm>
-          <a:prstGeom prst="rect">
-            <a:avLst/>
-          </a:prstGeom>
-        </p:spPr>
-        <p:txBody>
-          <a:bodyPr wrap="none">
-            <a:spAutoFit/>
-          </a:bodyPr>
-          <a:lstStyle/>
-          <a:p>
-            <a:pPr algn="ctr"/>
-            <a:r>
-              <a:rPr lang="en-US" sz="5400" dirty="0" smtClean="0">
-                <a:solidFill>
-                  <a:srgbClr val="89BD79"/>
-                </a:solidFill>
-                <a:latin typeface="GeosansLight"/>
-                <a:cs typeface="GeosansLight"/>
-              </a:rPr>
-              <a:t>What Next?</a:t>
-            </a:r>
-            <a:endParaRPr lang="en-US" sz="5400" dirty="0">
-              <a:solidFill>
-                <a:srgbClr val="89BD79"/>
-              </a:solidFill>
-            </a:endParaRPr>
-          </a:p>
-        </p:txBody>
-      </p:sp>
-      <p:sp>
-        <p:nvSpPr>
-          <p:cNvPr id="8" name="Rectangle 7"/>
-          <p:cNvSpPr/>
-          <p:nvPr/>
-        </p:nvSpPr>
-        <p:spPr>
-          <a:xfrm>
-            <a:off x="3120060" y="5997844"/>
-            <a:ext cx="2926890" cy="769441"/>
-          </a:xfrm>
-          <a:prstGeom prst="rect">
-            <a:avLst/>
-          </a:prstGeom>
-        </p:spPr>
-        <p:txBody>
-          <a:bodyPr wrap="none">
-            <a:spAutoFit/>
-          </a:bodyPr>
-          <a:lstStyle/>
-          <a:p>
-            <a:pPr algn="ctr"/>
-            <a:r>
-              <a:rPr lang="en-US" sz="4400" dirty="0" err="1" smtClean="0">
-                <a:solidFill>
-                  <a:schemeClr val="tx1">
-                    <a:lumMod val="75000"/>
-                    <a:lumOff val="25000"/>
-                  </a:schemeClr>
-                </a:solidFill>
-                <a:latin typeface="GeosansLight"/>
-                <a:cs typeface="GeosansLight"/>
-              </a:rPr>
-              <a:t>brian@silith.io</a:t>
-            </a:r>
-            <a:endParaRPr lang="en-US" sz="4400" dirty="0">
-              <a:solidFill>
-                <a:schemeClr val="tx1">
-                  <a:lumMod val="75000"/>
-                  <a:lumOff val="25000"/>
-                </a:schemeClr>
-              </a:solidFill>
-            </a:endParaRPr>
-          </a:p>
-        </p:txBody>
-      </p:sp>
-      <p:sp>
-        <p:nvSpPr>
-          <p:cNvPr id="9" name="Slide Number Placeholder 5"/>
-          <p:cNvSpPr>
-            <a:spLocks noGrp="1"/>
-          </p:cNvSpPr>
-          <p:nvPr>
-            <p:ph type="sldNum" sz="quarter" idx="12"/>
-          </p:nvPr>
-        </p:nvSpPr>
-        <p:spPr>
-          <a:xfrm>
-            <a:off x="6457950" y="6356351"/>
-            <a:ext cx="2057400" cy="365125"/>
-          </a:xfrm>
-        </p:spPr>
-        <p:txBody>
-          <a:bodyPr/>
-          <a:lstStyle>
-            <a:lvl1pPr marL="0" marR="0" indent="0" algn="r" defTabSz="914400" rtl="0" eaLnBrk="1" fontAlgn="auto" latinLnBrk="0" hangingPunct="1">
-              <a:lnSpc>
-                <a:spcPct val="100000"/>
-              </a:lnSpc>
-              <a:spcBef>
-                <a:spcPts val="0"/>
-              </a:spcBef>
-              <a:spcAft>
-                <a:spcPts val="0"/>
-              </a:spcAft>
-              <a:buClrTx/>
-              <a:buSzTx/>
-              <a:buFontTx/>
-              <a:buNone/>
-              <a:tabLst/>
-              <a:defRPr/>
-            </a:lvl1pPr>
-          </a:lstStyle>
-          <a:p>
-            <a:r>
-              <a:rPr lang="en-US" dirty="0" smtClean="0"/>
-              <a:t>Confidential</a:t>
-            </a:r>
-          </a:p>
-          <a:p>
-            <a:r>
-              <a:rPr lang="en-US" dirty="0" err="1" smtClean="0"/>
-              <a:t>Silith.IO</a:t>
-            </a:r>
-            <a:r>
-              <a:rPr lang="en-US" dirty="0" smtClean="0"/>
-              <a:t> – North American </a:t>
-            </a:r>
-            <a:r>
-              <a:rPr lang="en-US" dirty="0" err="1" smtClean="0"/>
-              <a:t>BanCard</a:t>
-            </a:r>
-            <a:endParaRPr lang="en-US" dirty="0" smtClean="0"/>
-          </a:p>
-          <a:p>
-            <a:endParaRPr lang="en-US" dirty="0"/>
-          </a:p>
-        </p:txBody>
-      </p:sp>
     </p:spTree>
   </p:cSld>
   <p:clrMapOvr>
